--- a/Lab6/presentation/LabC1_Presentation_V3.pptx
+++ b/Lab6/presentation/LabC1_Presentation_V3.pptx
@@ -522,7 +522,7 @@
           <a:p>
             <a:fld id="{D0B9262E-45D8-4839-A6EC-FB0FD06B7241}" type="datetimeFigureOut">
               <a:rPr lang="en-US" smtClean="0"/>
-              <a:t>11/17/2021</a:t>
+              <a:t>11/18/2021</a:t>
             </a:fld>
             <a:endParaRPr lang="en-US"/>
           </a:p>
@@ -701,7 +701,7 @@
           <a:p>
             <a:fld id="{D0B9262E-45D8-4839-A6EC-FB0FD06B7241}" type="datetimeFigureOut">
               <a:rPr lang="en-US" smtClean="0"/>
-              <a:t>11/17/2021</a:t>
+              <a:t>11/18/2021</a:t>
             </a:fld>
             <a:endParaRPr lang="en-US"/>
           </a:p>
@@ -881,7 +881,7 @@
           <a:p>
             <a:fld id="{D0B9262E-45D8-4839-A6EC-FB0FD06B7241}" type="datetimeFigureOut">
               <a:rPr lang="en-US" smtClean="0"/>
-              <a:t>11/17/2021</a:t>
+              <a:t>11/18/2021</a:t>
             </a:fld>
             <a:endParaRPr lang="en-US"/>
           </a:p>
@@ -1051,7 +1051,7 @@
           <a:p>
             <a:fld id="{D0B9262E-45D8-4839-A6EC-FB0FD06B7241}" type="datetimeFigureOut">
               <a:rPr lang="en-US" smtClean="0"/>
-              <a:t>11/17/2021</a:t>
+              <a:t>11/18/2021</a:t>
             </a:fld>
             <a:endParaRPr lang="en-US"/>
           </a:p>
@@ -1364,7 +1364,7 @@
           <a:p>
             <a:fld id="{D0B9262E-45D8-4839-A6EC-FB0FD06B7241}" type="datetimeFigureOut">
               <a:rPr lang="en-US" smtClean="0"/>
-              <a:t>11/17/2021</a:t>
+              <a:t>11/18/2021</a:t>
             </a:fld>
             <a:endParaRPr lang="en-US"/>
           </a:p>
@@ -1750,7 +1750,7 @@
           <a:p>
             <a:fld id="{D0B9262E-45D8-4839-A6EC-FB0FD06B7241}" type="datetimeFigureOut">
               <a:rPr lang="en-US" smtClean="0"/>
-              <a:t>11/17/2021</a:t>
+              <a:t>11/18/2021</a:t>
             </a:fld>
             <a:endParaRPr lang="en-US"/>
           </a:p>
@@ -2184,7 +2184,7 @@
           <a:p>
             <a:fld id="{D0B9262E-45D8-4839-A6EC-FB0FD06B7241}" type="datetimeFigureOut">
               <a:rPr lang="en-US" smtClean="0"/>
-              <a:t>11/17/2021</a:t>
+              <a:t>11/18/2021</a:t>
             </a:fld>
             <a:endParaRPr lang="en-US"/>
           </a:p>
@@ -2302,7 +2302,7 @@
           <a:p>
             <a:fld id="{D0B9262E-45D8-4839-A6EC-FB0FD06B7241}" type="datetimeFigureOut">
               <a:rPr lang="en-US" smtClean="0"/>
-              <a:t>11/17/2021</a:t>
+              <a:t>11/18/2021</a:t>
             </a:fld>
             <a:endParaRPr lang="en-US"/>
           </a:p>
@@ -2397,7 +2397,7 @@
           <a:p>
             <a:fld id="{D0B9262E-45D8-4839-A6EC-FB0FD06B7241}" type="datetimeFigureOut">
               <a:rPr lang="en-US" smtClean="0"/>
-              <a:t>11/17/2021</a:t>
+              <a:t>11/18/2021</a:t>
             </a:fld>
             <a:endParaRPr lang="en-US"/>
           </a:p>
@@ -2747,7 +2747,7 @@
           <a:p>
             <a:fld id="{D0B9262E-45D8-4839-A6EC-FB0FD06B7241}" type="datetimeFigureOut">
               <a:rPr lang="en-US" smtClean="0"/>
-              <a:t>11/17/2021</a:t>
+              <a:t>11/18/2021</a:t>
             </a:fld>
             <a:endParaRPr lang="en-US"/>
           </a:p>
@@ -3172,7 +3172,7 @@
           <a:p>
             <a:fld id="{D0B9262E-45D8-4839-A6EC-FB0FD06B7241}" type="datetimeFigureOut">
               <a:rPr lang="en-US" smtClean="0"/>
-              <a:t>11/17/2021</a:t>
+              <a:t>11/18/2021</a:t>
             </a:fld>
             <a:endParaRPr lang="en-US"/>
           </a:p>
@@ -3453,7 +3453,7 @@
           <a:p>
             <a:fld id="{D0B9262E-45D8-4839-A6EC-FB0FD06B7241}" type="datetimeFigureOut">
               <a:rPr lang="en-US" smtClean="0"/>
-              <a:t>11/17/2021</a:t>
+              <a:t>11/18/2021</a:t>
             </a:fld>
             <a:endParaRPr lang="en-US"/>
           </a:p>
@@ -4342,13 +4342,13 @@
           <a:p>
             <a:r>
               <a:rPr lang="en-US" dirty="0"/>
-              <a:t>Functioning transmitter block that has been tested writing a packed byte stream</a:t>
+              <a:t>Transmitter block that writes a packed byte stream</a:t>
             </a:r>
           </a:p>
           <a:p>
             <a:r>
               <a:rPr lang="en-US" dirty="0"/>
-              <a:t>Encodes Preamble for simple identification (0x37 and 0x89)</a:t>
+              <a:t>Encodes Preamble identification of start of stream (0x37 and 0x89)</a:t>
             </a:r>
           </a:p>
           <a:p>
@@ -4420,8 +4420,8 @@
         </p:nvSpPr>
         <p:spPr>
           <a:xfrm>
-            <a:off x="1959140" y="4146605"/>
-            <a:ext cx="2864498" cy="523220"/>
+            <a:off x="1660124" y="4146605"/>
+            <a:ext cx="3163514" cy="307777"/>
           </a:xfrm>
           <a:prstGeom prst="rect">
             <a:avLst/>
@@ -4436,7 +4436,7 @@
           <a:p>
             <a:r>
               <a:rPr lang="en-US" sz="1400" dirty="0"/>
-              <a:t>Packed Packet Framer File Sink output</a:t>
+              <a:t>Packet Framer File Sink output</a:t>
             </a:r>
           </a:p>
         </p:txBody>
@@ -4587,21 +4587,7 @@
           <a:p>
             <a:r>
               <a:rPr lang="en-US" dirty="0"/>
-              <a:t>Performs the functions of the transmitter block in reverse</a:t>
-            </a:r>
-          </a:p>
-          <a:p>
-            <a:r>
-              <a:rPr lang="en-US" dirty="0"/>
-              <a:t>Since data from </a:t>
-            </a:r>
-            <a:r>
-              <a:rPr lang="en-US" dirty="0" err="1"/>
-              <a:t>GNURadio</a:t>
-            </a:r>
-            <a:r>
-              <a:rPr lang="en-US" dirty="0"/>
-              <a:t> Modulator blocks comes out as individual bits </a:t>
+              <a:t>Performs the functions of the transmitter block in reverse, which is more involved</a:t>
             </a:r>
           </a:p>
           <a:p>
@@ -4627,7 +4613,7 @@
           <a:p>
             <a:r>
               <a:rPr lang="en-US" dirty="0"/>
-              <a:t>Most data is reconstructed one bit a time, then packed into a </a:t>
+              <a:t>Other than preamble, data is reconstructed one bit a time, then packed into a </a:t>
             </a:r>
             <a:r>
               <a:rPr lang="en-US" dirty="0" err="1"/>
@@ -4709,13 +4695,15 @@
               </a:ext>
             </a:extLst>
           </p:cNvPr>
-          <p:cNvCxnSpPr/>
+          <p:cNvCxnSpPr>
+            <a:cxnSpLocks/>
+          </p:cNvCxnSpPr>
           <p:nvPr/>
         </p:nvCxnSpPr>
         <p:spPr>
           <a:xfrm flipV="1">
-            <a:off x="5077838" y="2966936"/>
-            <a:ext cx="749030" cy="554477"/>
+            <a:off x="4930219" y="2966937"/>
+            <a:ext cx="896649" cy="211269"/>
           </a:xfrm>
           <a:prstGeom prst="straightConnector1">
             <a:avLst/>
@@ -4757,9 +4745,9 @@
           <p:nvPr/>
         </p:nvCxnSpPr>
         <p:spPr>
-          <a:xfrm flipV="1">
-            <a:off x="4930219" y="4311899"/>
-            <a:ext cx="516219" cy="110083"/>
+          <a:xfrm>
+            <a:off x="5120433" y="3971804"/>
+            <a:ext cx="599431" cy="79363"/>
           </a:xfrm>
           <a:prstGeom prst="straightConnector1">
             <a:avLst/>
@@ -4831,9 +4819,9 @@
           <p:nvPr/>
         </p:nvCxnSpPr>
         <p:spPr>
-          <a:xfrm flipV="1">
-            <a:off x="5269800" y="5323456"/>
-            <a:ext cx="516219" cy="110083"/>
+          <a:xfrm>
+            <a:off x="4705165" y="5299969"/>
+            <a:ext cx="1003320" cy="304805"/>
           </a:xfrm>
           <a:prstGeom prst="straightConnector1">
             <a:avLst/>
@@ -4956,7 +4944,7 @@
             </a:r>
             <a:r>
               <a:rPr lang="en-US" dirty="0"/>
-              <a:t> bool is set to true</a:t>
+              <a:t> bool is set to true, which allows rest of the code to run</a:t>
             </a:r>
           </a:p>
           <a:p>
@@ -5246,7 +5234,9 @@
           </a:xfrm>
         </p:spPr>
         <p:txBody>
-          <a:bodyPr/>
+          <a:bodyPr>
+            <a:normAutofit lnSpcReduction="10000"/>
+          </a:bodyPr>
           <a:lstStyle/>
           <a:p>
             <a:r>
@@ -5281,7 +5271,7 @@
             </a:r>
             <a:r>
               <a:rPr lang="en-US" dirty="0"/>
-              <a:t> block combo to a file sink</a:t>
+              <a:t> block combo to a file sink “received_unpkt.txt”</a:t>
             </a:r>
           </a:p>
           <a:p>
@@ -5295,7 +5285,7 @@
             </a:r>
             <a:r>
               <a:rPr lang="en-US" dirty="0"/>
-              <a:t> receives the data from the file sink</a:t>
+              <a:t> receives the data from the file sink, processes it, and passes on valid data to another file sink</a:t>
             </a:r>
           </a:p>
         </p:txBody>
@@ -5944,7 +5934,7 @@
             <a:pPr lvl="1"/>
             <a:r>
               <a:rPr lang="en-US" dirty="0"/>
-              <a:t>Reason why I opted to have two separate graphs with a file sink in-between</a:t>
+              <a:t>Reason for choosing to have two separate graphs with a file sink in-between</a:t>
             </a:r>
           </a:p>
           <a:p>
@@ -5964,7 +5954,7 @@
           <a:p>
             <a:r>
               <a:rPr lang="en-US" dirty="0"/>
-              <a:t>Re-learned some of the data type operations in C++ </a:t>
+              <a:t>Re-learned some of the data type and pointer operations in C++ </a:t>
             </a:r>
           </a:p>
           <a:p>
